--- a/FINAL_PROJECT_VER.0.1/homepage/myproject/media/game/assets/images/guide-IMG/ppt/huongdan_6.pptx
+++ b/FINAL_PROJECT_VER.0.1/homepage/myproject/media/game/assets/images/guide-IMG/ppt/huongdan_6.pptx
@@ -316,7 +316,7 @@
             <a:fld id="{1D8BD707-D9CF-40AE-B4C6-C98DA3205C09}" type="datetimeFigureOut">
               <a:rPr lang="en-US" smtClean="0"/>
               <a:pPr/>
-              <a:t>08/12/202323</a:t>
+              <a:t>26/12/202323</a:t>
             </a:fld>
             <a:endParaRPr lang="en-US"/>
           </a:p>
@@ -481,7 +481,7 @@
             <a:fld id="{1D8BD707-D9CF-40AE-B4C6-C98DA3205C09}" type="datetimeFigureOut">
               <a:rPr lang="en-US" smtClean="0"/>
               <a:pPr/>
-              <a:t>08/12/202323</a:t>
+              <a:t>26/12/202323</a:t>
             </a:fld>
             <a:endParaRPr lang="en-US"/>
           </a:p>
@@ -656,7 +656,7 @@
             <a:fld id="{1D8BD707-D9CF-40AE-B4C6-C98DA3205C09}" type="datetimeFigureOut">
               <a:rPr lang="en-US" smtClean="0"/>
               <a:pPr/>
-              <a:t>08/12/202323</a:t>
+              <a:t>26/12/202323</a:t>
             </a:fld>
             <a:endParaRPr lang="en-US"/>
           </a:p>
@@ -821,7 +821,7 @@
             <a:fld id="{1D8BD707-D9CF-40AE-B4C6-C98DA3205C09}" type="datetimeFigureOut">
               <a:rPr lang="en-US" smtClean="0"/>
               <a:pPr/>
-              <a:t>08/12/202323</a:t>
+              <a:t>26/12/202323</a:t>
             </a:fld>
             <a:endParaRPr lang="en-US"/>
           </a:p>
@@ -1063,7 +1063,7 @@
             <a:fld id="{1D8BD707-D9CF-40AE-B4C6-C98DA3205C09}" type="datetimeFigureOut">
               <a:rPr lang="en-US" smtClean="0"/>
               <a:pPr/>
-              <a:t>08/12/202323</a:t>
+              <a:t>26/12/202323</a:t>
             </a:fld>
             <a:endParaRPr lang="en-US"/>
           </a:p>
@@ -1345,7 +1345,7 @@
             <a:fld id="{1D8BD707-D9CF-40AE-B4C6-C98DA3205C09}" type="datetimeFigureOut">
               <a:rPr lang="en-US" smtClean="0"/>
               <a:pPr/>
-              <a:t>08/12/202323</a:t>
+              <a:t>26/12/202323</a:t>
             </a:fld>
             <a:endParaRPr lang="en-US"/>
           </a:p>
@@ -1761,7 +1761,7 @@
             <a:fld id="{1D8BD707-D9CF-40AE-B4C6-C98DA3205C09}" type="datetimeFigureOut">
               <a:rPr lang="en-US" smtClean="0"/>
               <a:pPr/>
-              <a:t>08/12/202323</a:t>
+              <a:t>26/12/202323</a:t>
             </a:fld>
             <a:endParaRPr lang="en-US"/>
           </a:p>
@@ -1875,7 +1875,7 @@
             <a:fld id="{1D8BD707-D9CF-40AE-B4C6-C98DA3205C09}" type="datetimeFigureOut">
               <a:rPr lang="en-US" smtClean="0"/>
               <a:pPr/>
-              <a:t>08/12/202323</a:t>
+              <a:t>26/12/202323</a:t>
             </a:fld>
             <a:endParaRPr lang="en-US"/>
           </a:p>
@@ -1967,7 +1967,7 @@
             <a:fld id="{1D8BD707-D9CF-40AE-B4C6-C98DA3205C09}" type="datetimeFigureOut">
               <a:rPr lang="en-US" smtClean="0"/>
               <a:pPr/>
-              <a:t>08/12/202323</a:t>
+              <a:t>26/12/202323</a:t>
             </a:fld>
             <a:endParaRPr lang="en-US"/>
           </a:p>
@@ -2239,7 +2239,7 @@
             <a:fld id="{1D8BD707-D9CF-40AE-B4C6-C98DA3205C09}" type="datetimeFigureOut">
               <a:rPr lang="en-US" smtClean="0"/>
               <a:pPr/>
-              <a:t>08/12/202323</a:t>
+              <a:t>26/12/202323</a:t>
             </a:fld>
             <a:endParaRPr lang="en-US"/>
           </a:p>
@@ -2488,7 +2488,7 @@
             <a:fld id="{1D8BD707-D9CF-40AE-B4C6-C98DA3205C09}" type="datetimeFigureOut">
               <a:rPr lang="en-US" smtClean="0"/>
               <a:pPr/>
-              <a:t>08/12/202323</a:t>
+              <a:t>26/12/202323</a:t>
             </a:fld>
             <a:endParaRPr lang="en-US"/>
           </a:p>
@@ -2712,7 +2712,7 @@
             <a:fld id="{1D8BD707-D9CF-40AE-B4C6-C98DA3205C09}" type="datetimeFigureOut">
               <a:rPr lang="en-US" smtClean="0"/>
               <a:pPr/>
-              <a:t>08/12/202323</a:t>
+              <a:t>26/12/202323</a:t>
             </a:fld>
             <a:endParaRPr lang="en-US"/>
           </a:p>
@@ -4073,8 +4073,8 @@
         </p:nvSpPr>
         <p:spPr>
           <a:xfrm>
-            <a:off x="1018979" y="2729019"/>
-            <a:ext cx="3782914" cy="1890133"/>
+            <a:off x="1000887" y="2562621"/>
+            <a:ext cx="3782914" cy="2351798"/>
           </a:xfrm>
           <a:prstGeom prst="rect">
             <a:avLst/>
@@ -4087,7 +4087,7 @@
           </a:bodyPr>
           <a:lstStyle/>
           <a:p>
-            <a:pPr>
+            <a:pPr algn="just">
               <a:lnSpc>
                 <a:spcPct val="150000"/>
               </a:lnSpc>
@@ -4099,15 +4099,438 @@
               </a:spcAft>
             </a:pPr>
             <a:r>
-              <a:rPr lang="en-US" sz="2000">
+              <a:rPr lang="en-US" sz="2000" dirty="0" err="1">
                 <a:solidFill>
                   <a:schemeClr val="bg1"/>
                 </a:solidFill>
                 <a:latin typeface="Paytone One" panose="020B0604020202020204" charset="0"/>
               </a:rPr>
-              <a:t>Chúng ta sẽ áp dụng thuật toán tìm kiếm theo chiều rộng (BFS) để tìm ra lối đi chính xác và nhanh nhất.</a:t>
-            </a:r>
-            <a:endParaRPr lang="en-US" sz="1800"/>
+              <a:t>Chúng</a:t>
+            </a:r>
+            <a:r>
+              <a:rPr lang="en-US" sz="2000" dirty="0">
+                <a:solidFill>
+                  <a:schemeClr val="bg1"/>
+                </a:solidFill>
+                <a:latin typeface="Paytone One" panose="020B0604020202020204" charset="0"/>
+              </a:rPr>
+              <a:t> ta </a:t>
+            </a:r>
+            <a:r>
+              <a:rPr lang="en-US" sz="2000" dirty="0" err="1">
+                <a:solidFill>
+                  <a:schemeClr val="bg1"/>
+                </a:solidFill>
+                <a:latin typeface="Paytone One" panose="020B0604020202020204" charset="0"/>
+              </a:rPr>
+              <a:t>sẽ</a:t>
+            </a:r>
+            <a:r>
+              <a:rPr lang="en-US" sz="2000" dirty="0">
+                <a:solidFill>
+                  <a:schemeClr val="bg1"/>
+                </a:solidFill>
+                <a:latin typeface="Paytone One" panose="020B0604020202020204" charset="0"/>
+              </a:rPr>
+              <a:t> </a:t>
+            </a:r>
+            <a:r>
+              <a:rPr lang="en-US" sz="2000" dirty="0" err="1">
+                <a:solidFill>
+                  <a:schemeClr val="bg1"/>
+                </a:solidFill>
+                <a:latin typeface="Paytone One" panose="020B0604020202020204" charset="0"/>
+              </a:rPr>
+              <a:t>áp</a:t>
+            </a:r>
+            <a:r>
+              <a:rPr lang="en-US" sz="2000" dirty="0">
+                <a:solidFill>
+                  <a:schemeClr val="bg1"/>
+                </a:solidFill>
+                <a:latin typeface="Paytone One" panose="020B0604020202020204" charset="0"/>
+              </a:rPr>
+              <a:t> </a:t>
+            </a:r>
+            <a:r>
+              <a:rPr lang="en-US" sz="2000" dirty="0" err="1">
+                <a:solidFill>
+                  <a:schemeClr val="bg1"/>
+                </a:solidFill>
+                <a:latin typeface="Paytone One" panose="020B0604020202020204" charset="0"/>
+              </a:rPr>
+              <a:t>dụng</a:t>
+            </a:r>
+            <a:r>
+              <a:rPr lang="en-US" sz="2000" dirty="0">
+                <a:solidFill>
+                  <a:schemeClr val="bg1"/>
+                </a:solidFill>
+                <a:latin typeface="Paytone One" panose="020B0604020202020204" charset="0"/>
+              </a:rPr>
+              <a:t> </a:t>
+            </a:r>
+            <a:r>
+              <a:rPr lang="en-US" sz="2000" dirty="0" err="1">
+                <a:solidFill>
+                  <a:schemeClr val="bg1"/>
+                </a:solidFill>
+                <a:latin typeface="Paytone One" panose="020B0604020202020204" charset="0"/>
+              </a:rPr>
+              <a:t>thuật</a:t>
+            </a:r>
+            <a:r>
+              <a:rPr lang="en-US" sz="2000" dirty="0">
+                <a:solidFill>
+                  <a:schemeClr val="bg1"/>
+                </a:solidFill>
+                <a:latin typeface="Paytone One" panose="020B0604020202020204" charset="0"/>
+              </a:rPr>
+              <a:t> </a:t>
+            </a:r>
+            <a:r>
+              <a:rPr lang="en-US" sz="2000" dirty="0" err="1">
+                <a:solidFill>
+                  <a:schemeClr val="bg1"/>
+                </a:solidFill>
+                <a:latin typeface="Paytone One" panose="020B0604020202020204" charset="0"/>
+              </a:rPr>
+              <a:t>toán</a:t>
+            </a:r>
+            <a:r>
+              <a:rPr lang="en-US" sz="2000" dirty="0">
+                <a:solidFill>
+                  <a:schemeClr val="bg1"/>
+                </a:solidFill>
+                <a:latin typeface="Paytone One" panose="020B0604020202020204" charset="0"/>
+              </a:rPr>
+              <a:t> </a:t>
+            </a:r>
+            <a:r>
+              <a:rPr lang="en-US" sz="2000" dirty="0" err="1">
+                <a:solidFill>
+                  <a:schemeClr val="bg1"/>
+                </a:solidFill>
+                <a:latin typeface="Paytone One" panose="020B0604020202020204" charset="0"/>
+              </a:rPr>
+              <a:t>tìm</a:t>
+            </a:r>
+            <a:r>
+              <a:rPr lang="en-US" sz="2000" dirty="0">
+                <a:solidFill>
+                  <a:schemeClr val="bg1"/>
+                </a:solidFill>
+                <a:latin typeface="Paytone One" panose="020B0604020202020204" charset="0"/>
+              </a:rPr>
+              <a:t> </a:t>
+            </a:r>
+            <a:r>
+              <a:rPr lang="en-US" sz="2000" dirty="0" err="1">
+                <a:solidFill>
+                  <a:schemeClr val="bg1"/>
+                </a:solidFill>
+                <a:latin typeface="Paytone One" panose="020B0604020202020204" charset="0"/>
+              </a:rPr>
+              <a:t>kiếm</a:t>
+            </a:r>
+            <a:r>
+              <a:rPr lang="en-US" sz="2000" dirty="0">
+                <a:solidFill>
+                  <a:schemeClr val="bg1"/>
+                </a:solidFill>
+                <a:latin typeface="Paytone One" panose="020B0604020202020204" charset="0"/>
+              </a:rPr>
+              <a:t> </a:t>
+            </a:r>
+            <a:r>
+              <a:rPr lang="en-US" sz="2000" dirty="0" err="1">
+                <a:solidFill>
+                  <a:schemeClr val="bg1"/>
+                </a:solidFill>
+                <a:latin typeface="Paytone One" panose="020B0604020202020204" charset="0"/>
+              </a:rPr>
+              <a:t>theo</a:t>
+            </a:r>
+            <a:r>
+              <a:rPr lang="en-US" sz="2000" dirty="0">
+                <a:solidFill>
+                  <a:schemeClr val="bg1"/>
+                </a:solidFill>
+                <a:latin typeface="Paytone One" panose="020B0604020202020204" charset="0"/>
+              </a:rPr>
+              <a:t> </a:t>
+            </a:r>
+            <a:r>
+              <a:rPr lang="en-US" sz="2000" dirty="0" err="1">
+                <a:solidFill>
+                  <a:schemeClr val="bg1"/>
+                </a:solidFill>
+                <a:latin typeface="Paytone One" panose="020B0604020202020204" charset="0"/>
+              </a:rPr>
+              <a:t>chiều</a:t>
+            </a:r>
+            <a:r>
+              <a:rPr lang="en-US" sz="2000" dirty="0">
+                <a:solidFill>
+                  <a:schemeClr val="bg1"/>
+                </a:solidFill>
+                <a:latin typeface="Paytone One" panose="020B0604020202020204" charset="0"/>
+              </a:rPr>
+              <a:t> </a:t>
+            </a:r>
+            <a:r>
+              <a:rPr lang="en-US" sz="2000" dirty="0" err="1">
+                <a:solidFill>
+                  <a:schemeClr val="bg1"/>
+                </a:solidFill>
+                <a:latin typeface="Paytone One" panose="020B0604020202020204" charset="0"/>
+              </a:rPr>
+              <a:t>rộng</a:t>
+            </a:r>
+            <a:r>
+              <a:rPr lang="en-US" sz="2000" dirty="0">
+                <a:solidFill>
+                  <a:schemeClr val="bg1"/>
+                </a:solidFill>
+                <a:latin typeface="Paytone One" panose="020B0604020202020204" charset="0"/>
+              </a:rPr>
+              <a:t> (BFS)</a:t>
+            </a:r>
+            <a:r>
+              <a:rPr lang="vi-VN" sz="2000" dirty="0">
+                <a:solidFill>
+                  <a:schemeClr val="bg1"/>
+                </a:solidFill>
+                <a:latin typeface="Paytone One" panose="020B0604020202020204" charset="0"/>
+              </a:rPr>
+              <a:t> hoặc</a:t>
+            </a:r>
+            <a:r>
+              <a:rPr lang="en-US" sz="2000" dirty="0">
+                <a:solidFill>
+                  <a:schemeClr val="bg1"/>
+                </a:solidFill>
+                <a:latin typeface="Paytone One" panose="020B0604020202020204" charset="0"/>
+              </a:rPr>
+              <a:t> </a:t>
+            </a:r>
+            <a:r>
+              <a:rPr lang="vi-VN" sz="2000" dirty="0">
+                <a:solidFill>
+                  <a:schemeClr val="bg1"/>
+                </a:solidFill>
+                <a:latin typeface="Paytone One" panose="020B0604020202020204" charset="0"/>
+              </a:rPr>
+              <a:t>tìm kiếm </a:t>
+            </a:r>
+            <a:r>
+              <a:rPr lang="en-US" sz="2000" dirty="0" err="1">
+                <a:solidFill>
+                  <a:schemeClr val="bg1"/>
+                </a:solidFill>
+                <a:latin typeface="Paytone One" panose="020B0604020202020204" charset="0"/>
+              </a:rPr>
+              <a:t>chiều</a:t>
+            </a:r>
+            <a:r>
+              <a:rPr lang="en-US" sz="2000" dirty="0">
+                <a:solidFill>
+                  <a:schemeClr val="bg1"/>
+                </a:solidFill>
+                <a:latin typeface="Paytone One" panose="020B0604020202020204" charset="0"/>
+              </a:rPr>
+              <a:t> </a:t>
+            </a:r>
+            <a:r>
+              <a:rPr lang="vi-VN" sz="2000" dirty="0">
+                <a:solidFill>
+                  <a:schemeClr val="bg1"/>
+                </a:solidFill>
+                <a:latin typeface="Paytone One" panose="020B0604020202020204" charset="0"/>
+              </a:rPr>
+              <a:t>sâu (DFS) </a:t>
+            </a:r>
+            <a:r>
+              <a:rPr lang="en-US" sz="2000" dirty="0" err="1">
+                <a:solidFill>
+                  <a:schemeClr val="bg1"/>
+                </a:solidFill>
+                <a:latin typeface="Paytone One" panose="020B0604020202020204" charset="0"/>
+              </a:rPr>
+              <a:t>để</a:t>
+            </a:r>
+            <a:r>
+              <a:rPr lang="en-US" sz="2000" dirty="0">
+                <a:solidFill>
+                  <a:schemeClr val="bg1"/>
+                </a:solidFill>
+                <a:latin typeface="Paytone One" panose="020B0604020202020204" charset="0"/>
+              </a:rPr>
+              <a:t> </a:t>
+            </a:r>
+            <a:r>
+              <a:rPr lang="en-US" sz="2000" dirty="0" err="1">
+                <a:solidFill>
+                  <a:schemeClr val="bg1"/>
+                </a:solidFill>
+                <a:latin typeface="Paytone One" panose="020B0604020202020204" charset="0"/>
+              </a:rPr>
+              <a:t>tìm</a:t>
+            </a:r>
+            <a:r>
+              <a:rPr lang="en-US" sz="2000" dirty="0">
+                <a:solidFill>
+                  <a:schemeClr val="bg1"/>
+                </a:solidFill>
+                <a:latin typeface="Paytone One" panose="020B0604020202020204" charset="0"/>
+              </a:rPr>
+              <a:t> </a:t>
+            </a:r>
+            <a:r>
+              <a:rPr lang="en-US" sz="2000" dirty="0" err="1">
+                <a:solidFill>
+                  <a:schemeClr val="bg1"/>
+                </a:solidFill>
+                <a:latin typeface="Paytone One" panose="020B0604020202020204" charset="0"/>
+              </a:rPr>
+              <a:t>ra</a:t>
+            </a:r>
+            <a:r>
+              <a:rPr lang="en-US" sz="2000" dirty="0">
+                <a:solidFill>
+                  <a:schemeClr val="bg1"/>
+                </a:solidFill>
+                <a:latin typeface="Paytone One" panose="020B0604020202020204" charset="0"/>
+              </a:rPr>
+              <a:t> </a:t>
+            </a:r>
+            <a:r>
+              <a:rPr lang="en-US" sz="2000" dirty="0" err="1">
+                <a:solidFill>
+                  <a:schemeClr val="bg1"/>
+                </a:solidFill>
+                <a:latin typeface="Paytone One" panose="020B0604020202020204" charset="0"/>
+              </a:rPr>
+              <a:t>lối</a:t>
+            </a:r>
+            <a:r>
+              <a:rPr lang="en-US" sz="2000" dirty="0">
+                <a:solidFill>
+                  <a:schemeClr val="bg1"/>
+                </a:solidFill>
+                <a:latin typeface="Paytone One" panose="020B0604020202020204" charset="0"/>
+              </a:rPr>
+              <a:t> </a:t>
+            </a:r>
+            <a:r>
+              <a:rPr lang="en-US" sz="2000" dirty="0" err="1">
+                <a:solidFill>
+                  <a:schemeClr val="bg1"/>
+                </a:solidFill>
+                <a:latin typeface="Paytone One" panose="020B0604020202020204" charset="0"/>
+              </a:rPr>
+              <a:t>đi</a:t>
+            </a:r>
+            <a:r>
+              <a:rPr lang="en-US" sz="2000" dirty="0">
+                <a:solidFill>
+                  <a:schemeClr val="bg1"/>
+                </a:solidFill>
+                <a:latin typeface="Paytone One" panose="020B0604020202020204" charset="0"/>
+              </a:rPr>
+              <a:t> </a:t>
+            </a:r>
+            <a:r>
+              <a:rPr lang="en-US" sz="2000" dirty="0" err="1">
+                <a:solidFill>
+                  <a:schemeClr val="bg1"/>
+                </a:solidFill>
+                <a:latin typeface="Paytone One" panose="020B0604020202020204" charset="0"/>
+              </a:rPr>
+              <a:t>chính</a:t>
+            </a:r>
+            <a:r>
+              <a:rPr lang="en-US" sz="2000" dirty="0">
+                <a:solidFill>
+                  <a:schemeClr val="bg1"/>
+                </a:solidFill>
+                <a:latin typeface="Paytone One" panose="020B0604020202020204" charset="0"/>
+              </a:rPr>
+              <a:t> </a:t>
+            </a:r>
+            <a:r>
+              <a:rPr lang="en-US" sz="2000" dirty="0" err="1">
+                <a:solidFill>
+                  <a:schemeClr val="bg1"/>
+                </a:solidFill>
+                <a:latin typeface="Paytone One" panose="020B0604020202020204" charset="0"/>
+              </a:rPr>
+              <a:t>xác</a:t>
+            </a:r>
+            <a:r>
+              <a:rPr lang="en-US" sz="2000" dirty="0">
+                <a:solidFill>
+                  <a:schemeClr val="bg1"/>
+                </a:solidFill>
+                <a:latin typeface="Paytone One" panose="020B0604020202020204" charset="0"/>
+              </a:rPr>
+              <a:t> </a:t>
+            </a:r>
+            <a:r>
+              <a:rPr lang="en-US" sz="2000" dirty="0" err="1">
+                <a:solidFill>
+                  <a:schemeClr val="bg1"/>
+                </a:solidFill>
+                <a:latin typeface="Paytone One" panose="020B0604020202020204" charset="0"/>
+              </a:rPr>
+              <a:t>và</a:t>
+            </a:r>
+            <a:r>
+              <a:rPr lang="en-US" sz="2000" dirty="0">
+                <a:solidFill>
+                  <a:schemeClr val="bg1"/>
+                </a:solidFill>
+                <a:latin typeface="Paytone One" panose="020B0604020202020204" charset="0"/>
+              </a:rPr>
+              <a:t> </a:t>
+            </a:r>
+            <a:r>
+              <a:rPr lang="en-US" sz="2000" dirty="0" err="1">
+                <a:solidFill>
+                  <a:schemeClr val="bg1"/>
+                </a:solidFill>
+                <a:latin typeface="Paytone One" panose="020B0604020202020204" charset="0"/>
+              </a:rPr>
+              <a:t>nhanh</a:t>
+            </a:r>
+            <a:r>
+              <a:rPr lang="en-US" sz="2000" dirty="0">
+                <a:solidFill>
+                  <a:schemeClr val="bg1"/>
+                </a:solidFill>
+                <a:latin typeface="Paytone One" panose="020B0604020202020204" charset="0"/>
+              </a:rPr>
+              <a:t> </a:t>
+            </a:r>
+            <a:r>
+              <a:rPr lang="en-US" sz="2000" dirty="0" err="1">
+                <a:solidFill>
+                  <a:schemeClr val="bg1"/>
+                </a:solidFill>
+                <a:latin typeface="Paytone One" panose="020B0604020202020204" charset="0"/>
+              </a:rPr>
+              <a:t>nhất</a:t>
+            </a:r>
+            <a:r>
+              <a:rPr lang="en-US" sz="2000" dirty="0">
+                <a:solidFill>
+                  <a:schemeClr val="bg1"/>
+                </a:solidFill>
+                <a:latin typeface="Paytone One" panose="020B0604020202020204" charset="0"/>
+              </a:rPr>
+              <a:t>.</a:t>
+            </a:r>
+            <a:endParaRPr lang="en-US" sz="1800" dirty="0"/>
           </a:p>
         </p:txBody>
       </p:sp>
